--- a/images/teleoperation.pptx
+++ b/images/teleoperation.pptx
@@ -8,7 +8,8 @@
     <p:sldId id="256" r:id="rId2"/>
     <p:sldId id="257" r:id="rId3"/>
     <p:sldId id="258" r:id="rId4"/>
-    <p:sldId id="259" r:id="rId5"/>
+    <p:sldId id="260" r:id="rId5"/>
+    <p:sldId id="259" r:id="rId6"/>
   </p:sldIdLst>
   <p:sldSz cx="12192000" cy="6858000"/>
   <p:notesSz cx="6858000" cy="9144000"/>
@@ -264,7 +265,7 @@
           <a:p>
             <a:fld id="{257091D0-F3D3-4990-953B-D50AA3CD985D}" type="datetimeFigureOut">
               <a:rPr lang="en-US" smtClean="0"/>
-              <a:t>8/11/2024</a:t>
+              <a:t>9/7/2024</a:t>
             </a:fld>
             <a:endParaRPr lang="en-US"/>
           </a:p>
@@ -464,7 +465,7 @@
           <a:p>
             <a:fld id="{257091D0-F3D3-4990-953B-D50AA3CD985D}" type="datetimeFigureOut">
               <a:rPr lang="en-US" smtClean="0"/>
-              <a:t>8/11/2024</a:t>
+              <a:t>9/7/2024</a:t>
             </a:fld>
             <a:endParaRPr lang="en-US"/>
           </a:p>
@@ -674,7 +675,7 @@
           <a:p>
             <a:fld id="{257091D0-F3D3-4990-953B-D50AA3CD985D}" type="datetimeFigureOut">
               <a:rPr lang="en-US" smtClean="0"/>
-              <a:t>8/11/2024</a:t>
+              <a:t>9/7/2024</a:t>
             </a:fld>
             <a:endParaRPr lang="en-US"/>
           </a:p>
@@ -874,7 +875,7 @@
           <a:p>
             <a:fld id="{257091D0-F3D3-4990-953B-D50AA3CD985D}" type="datetimeFigureOut">
               <a:rPr lang="en-US" smtClean="0"/>
-              <a:t>8/11/2024</a:t>
+              <a:t>9/7/2024</a:t>
             </a:fld>
             <a:endParaRPr lang="en-US"/>
           </a:p>
@@ -1150,7 +1151,7 @@
           <a:p>
             <a:fld id="{257091D0-F3D3-4990-953B-D50AA3CD985D}" type="datetimeFigureOut">
               <a:rPr lang="en-US" smtClean="0"/>
-              <a:t>8/11/2024</a:t>
+              <a:t>9/7/2024</a:t>
             </a:fld>
             <a:endParaRPr lang="en-US"/>
           </a:p>
@@ -1418,7 +1419,7 @@
           <a:p>
             <a:fld id="{257091D0-F3D3-4990-953B-D50AA3CD985D}" type="datetimeFigureOut">
               <a:rPr lang="en-US" smtClean="0"/>
-              <a:t>8/11/2024</a:t>
+              <a:t>9/7/2024</a:t>
             </a:fld>
             <a:endParaRPr lang="en-US"/>
           </a:p>
@@ -1833,7 +1834,7 @@
           <a:p>
             <a:fld id="{257091D0-F3D3-4990-953B-D50AA3CD985D}" type="datetimeFigureOut">
               <a:rPr lang="en-US" smtClean="0"/>
-              <a:t>8/11/2024</a:t>
+              <a:t>9/7/2024</a:t>
             </a:fld>
             <a:endParaRPr lang="en-US"/>
           </a:p>
@@ -1975,7 +1976,7 @@
           <a:p>
             <a:fld id="{257091D0-F3D3-4990-953B-D50AA3CD985D}" type="datetimeFigureOut">
               <a:rPr lang="en-US" smtClean="0"/>
-              <a:t>8/11/2024</a:t>
+              <a:t>9/7/2024</a:t>
             </a:fld>
             <a:endParaRPr lang="en-US"/>
           </a:p>
@@ -2088,7 +2089,7 @@
           <a:p>
             <a:fld id="{257091D0-F3D3-4990-953B-D50AA3CD985D}" type="datetimeFigureOut">
               <a:rPr lang="en-US" smtClean="0"/>
-              <a:t>8/11/2024</a:t>
+              <a:t>9/7/2024</a:t>
             </a:fld>
             <a:endParaRPr lang="en-US"/>
           </a:p>
@@ -2401,7 +2402,7 @@
           <a:p>
             <a:fld id="{257091D0-F3D3-4990-953B-D50AA3CD985D}" type="datetimeFigureOut">
               <a:rPr lang="en-US" smtClean="0"/>
-              <a:t>8/11/2024</a:t>
+              <a:t>9/7/2024</a:t>
             </a:fld>
             <a:endParaRPr lang="en-US"/>
           </a:p>
@@ -2690,7 +2691,7 @@
           <a:p>
             <a:fld id="{257091D0-F3D3-4990-953B-D50AA3CD985D}" type="datetimeFigureOut">
               <a:rPr lang="en-US" smtClean="0"/>
-              <a:t>8/11/2024</a:t>
+              <a:t>9/7/2024</a:t>
             </a:fld>
             <a:endParaRPr lang="en-US"/>
           </a:p>
@@ -2933,7 +2934,7 @@
           <a:p>
             <a:fld id="{257091D0-F3D3-4990-953B-D50AA3CD985D}" type="datetimeFigureOut">
               <a:rPr lang="en-US" smtClean="0"/>
-              <a:t>8/11/2024</a:t>
+              <a:t>9/7/2024</a:t>
             </a:fld>
             <a:endParaRPr lang="en-US"/>
           </a:p>
@@ -5603,6 +5604,1187 @@
       </p:grpSpPr>
       <p:sp>
         <p:nvSpPr>
+          <p:cNvPr id="5" name="Ellipse 4">
+            <a:extLst>
+              <a:ext uri="{FF2B5EF4-FFF2-40B4-BE49-F238E27FC236}">
+                <a16:creationId xmlns:a16="http://schemas.microsoft.com/office/drawing/2014/main" id="{EED27571-24F1-419F-9B3C-B7796E02BBBF}"/>
+              </a:ext>
+            </a:extLst>
+          </p:cNvPr>
+          <p:cNvSpPr/>
+          <p:nvPr/>
+        </p:nvSpPr>
+        <p:spPr>
+          <a:xfrm>
+            <a:off x="5331229" y="1197034"/>
+            <a:ext cx="2488277" cy="2231966"/>
+          </a:xfrm>
+          <a:prstGeom prst="ellipse">
+            <a:avLst/>
+          </a:prstGeom>
+          <a:solidFill>
+            <a:schemeClr val="tx2">
+              <a:lumMod val="20000"/>
+              <a:lumOff val="80000"/>
+            </a:schemeClr>
+          </a:solidFill>
+          <a:ln>
+            <a:solidFill>
+              <a:schemeClr val="tx1"/>
+            </a:solidFill>
+          </a:ln>
+        </p:spPr>
+        <p:style>
+          <a:lnRef idx="2">
+            <a:schemeClr val="accent1">
+              <a:shade val="50000"/>
+            </a:schemeClr>
+          </a:lnRef>
+          <a:fillRef idx="1">
+            <a:schemeClr val="accent1"/>
+          </a:fillRef>
+          <a:effectRef idx="0">
+            <a:schemeClr val="accent1"/>
+          </a:effectRef>
+          <a:fontRef idx="minor">
+            <a:schemeClr val="lt1"/>
+          </a:fontRef>
+        </p:style>
+        <p:txBody>
+          <a:bodyPr rtlCol="0" anchor="ctr"/>
+          <a:lstStyle/>
+          <a:p>
+            <a:pPr algn="ctr"/>
+            <a:r>
+              <a:rPr lang="de-DE" dirty="0">
+                <a:solidFill>
+                  <a:schemeClr val="tx1"/>
+                </a:solidFill>
+                <a:latin typeface="Cambria" panose="02040503050406030204" pitchFamily="18" charset="0"/>
+                <a:ea typeface="Cambria" panose="02040503050406030204" pitchFamily="18" charset="0"/>
+              </a:rPr>
+              <a:t>High </a:t>
+            </a:r>
+            <a:r>
+              <a:rPr lang="de-DE" dirty="0" err="1">
+                <a:solidFill>
+                  <a:schemeClr val="tx1"/>
+                </a:solidFill>
+                <a:latin typeface="Cambria" panose="02040503050406030204" pitchFamily="18" charset="0"/>
+                <a:ea typeface="Cambria" panose="02040503050406030204" pitchFamily="18" charset="0"/>
+              </a:rPr>
+              <a:t>trasversability</a:t>
+            </a:r>
+            <a:r>
+              <a:rPr lang="de-DE" dirty="0">
+                <a:solidFill>
+                  <a:schemeClr val="tx1"/>
+                </a:solidFill>
+                <a:latin typeface="Cambria" panose="02040503050406030204" pitchFamily="18" charset="0"/>
+                <a:ea typeface="Cambria" panose="02040503050406030204" pitchFamily="18" charset="0"/>
+              </a:rPr>
+              <a:t> </a:t>
+            </a:r>
+          </a:p>
+          <a:p>
+            <a:pPr algn="ctr"/>
+            <a:r>
+              <a:rPr lang="de-DE" dirty="0" err="1">
+                <a:solidFill>
+                  <a:schemeClr val="tx1"/>
+                </a:solidFill>
+                <a:latin typeface="Cambria" panose="02040503050406030204" pitchFamily="18" charset="0"/>
+                <a:ea typeface="Cambria" panose="02040503050406030204" pitchFamily="18" charset="0"/>
+              </a:rPr>
+              <a:t>value</a:t>
+            </a:r>
+            <a:r>
+              <a:rPr lang="de-DE" dirty="0">
+                <a:solidFill>
+                  <a:schemeClr val="tx1"/>
+                </a:solidFill>
+                <a:latin typeface="Cambria" panose="02040503050406030204" pitchFamily="18" charset="0"/>
+                <a:ea typeface="Cambria" panose="02040503050406030204" pitchFamily="18" charset="0"/>
+              </a:rPr>
+              <a:t>?</a:t>
+            </a:r>
+            <a:endParaRPr lang="en-US" dirty="0">
+              <a:solidFill>
+                <a:schemeClr val="tx1"/>
+              </a:solidFill>
+              <a:latin typeface="Cambria" panose="02040503050406030204" pitchFamily="18" charset="0"/>
+              <a:ea typeface="Cambria" panose="02040503050406030204" pitchFamily="18" charset="0"/>
+            </a:endParaRPr>
+          </a:p>
+        </p:txBody>
+      </p:sp>
+      <p:sp>
+        <p:nvSpPr>
+          <p:cNvPr id="6" name="Ellipse 5">
+            <a:extLst>
+              <a:ext uri="{FF2B5EF4-FFF2-40B4-BE49-F238E27FC236}">
+                <a16:creationId xmlns:a16="http://schemas.microsoft.com/office/drawing/2014/main" id="{C776A235-9F55-4C97-A679-91C0F9F06CDD}"/>
+              </a:ext>
+            </a:extLst>
+          </p:cNvPr>
+          <p:cNvSpPr/>
+          <p:nvPr/>
+        </p:nvSpPr>
+        <p:spPr>
+          <a:xfrm>
+            <a:off x="2166851" y="1197034"/>
+            <a:ext cx="2488277" cy="2231966"/>
+          </a:xfrm>
+          <a:prstGeom prst="ellipse">
+            <a:avLst/>
+          </a:prstGeom>
+          <a:solidFill>
+            <a:schemeClr val="tx2">
+              <a:lumMod val="20000"/>
+              <a:lumOff val="80000"/>
+            </a:schemeClr>
+          </a:solidFill>
+          <a:ln>
+            <a:solidFill>
+              <a:schemeClr val="tx1"/>
+            </a:solidFill>
+          </a:ln>
+        </p:spPr>
+        <p:style>
+          <a:lnRef idx="2">
+            <a:schemeClr val="accent1">
+              <a:shade val="50000"/>
+            </a:schemeClr>
+          </a:lnRef>
+          <a:fillRef idx="1">
+            <a:schemeClr val="accent1"/>
+          </a:fillRef>
+          <a:effectRef idx="0">
+            <a:schemeClr val="accent1"/>
+          </a:effectRef>
+          <a:fontRef idx="minor">
+            <a:schemeClr val="lt1"/>
+          </a:fontRef>
+        </p:style>
+        <p:txBody>
+          <a:bodyPr rtlCol="0" anchor="ctr"/>
+          <a:lstStyle/>
+          <a:p>
+            <a:pPr algn="ctr"/>
+            <a:r>
+              <a:rPr lang="de-DE" dirty="0">
+                <a:solidFill>
+                  <a:schemeClr val="tx1"/>
+                </a:solidFill>
+                <a:latin typeface="Cambria" panose="02040503050406030204" pitchFamily="18" charset="0"/>
+                <a:ea typeface="Cambria" panose="02040503050406030204" pitchFamily="18" charset="0"/>
+              </a:rPr>
+              <a:t>Critical </a:t>
+            </a:r>
+            <a:r>
+              <a:rPr lang="de-DE" dirty="0" err="1">
+                <a:solidFill>
+                  <a:schemeClr val="tx1"/>
+                </a:solidFill>
+                <a:latin typeface="Cambria" panose="02040503050406030204" pitchFamily="18" charset="0"/>
+                <a:ea typeface="Cambria" panose="02040503050406030204" pitchFamily="18" charset="0"/>
+              </a:rPr>
+              <a:t>situation</a:t>
+            </a:r>
+            <a:r>
+              <a:rPr lang="de-DE" dirty="0">
+                <a:solidFill>
+                  <a:schemeClr val="tx1"/>
+                </a:solidFill>
+                <a:latin typeface="Cambria" panose="02040503050406030204" pitchFamily="18" charset="0"/>
+                <a:ea typeface="Cambria" panose="02040503050406030204" pitchFamily="18" charset="0"/>
+              </a:rPr>
+              <a:t>?</a:t>
+            </a:r>
+          </a:p>
+          <a:p>
+            <a:pPr algn="ctr"/>
+            <a:r>
+              <a:rPr lang="de-DE" dirty="0">
+                <a:solidFill>
+                  <a:schemeClr val="tx1"/>
+                </a:solidFill>
+                <a:latin typeface="Cambria" panose="02040503050406030204" pitchFamily="18" charset="0"/>
+                <a:ea typeface="Cambria" panose="02040503050406030204" pitchFamily="18" charset="0"/>
+              </a:rPr>
+              <a:t>(e.g., </a:t>
+            </a:r>
+            <a:r>
+              <a:rPr lang="de-DE" dirty="0" err="1">
+                <a:solidFill>
+                  <a:schemeClr val="tx1"/>
+                </a:solidFill>
+                <a:latin typeface="Cambria" panose="02040503050406030204" pitchFamily="18" charset="0"/>
+                <a:ea typeface="Cambria" panose="02040503050406030204" pitchFamily="18" charset="0"/>
+              </a:rPr>
+              <a:t>pedestrian</a:t>
+            </a:r>
+            <a:r>
+              <a:rPr lang="de-DE" dirty="0">
+                <a:solidFill>
+                  <a:schemeClr val="tx1"/>
+                </a:solidFill>
+                <a:latin typeface="Cambria" panose="02040503050406030204" pitchFamily="18" charset="0"/>
+                <a:ea typeface="Cambria" panose="02040503050406030204" pitchFamily="18" charset="0"/>
+              </a:rPr>
+              <a:t> in fast </a:t>
+            </a:r>
+            <a:r>
+              <a:rPr lang="de-DE" dirty="0" err="1">
+                <a:solidFill>
+                  <a:schemeClr val="tx1"/>
+                </a:solidFill>
+                <a:latin typeface="Cambria" panose="02040503050406030204" pitchFamily="18" charset="0"/>
+                <a:ea typeface="Cambria" panose="02040503050406030204" pitchFamily="18" charset="0"/>
+              </a:rPr>
+              <a:t>motion</a:t>
+            </a:r>
+            <a:r>
+              <a:rPr lang="de-DE" dirty="0">
+                <a:solidFill>
+                  <a:schemeClr val="tx1"/>
+                </a:solidFill>
+                <a:latin typeface="Cambria" panose="02040503050406030204" pitchFamily="18" charset="0"/>
+                <a:ea typeface="Cambria" panose="02040503050406030204" pitchFamily="18" charset="0"/>
+              </a:rPr>
+              <a:t>, robot </a:t>
+            </a:r>
+            <a:r>
+              <a:rPr lang="de-DE" dirty="0" err="1">
+                <a:solidFill>
+                  <a:schemeClr val="tx1"/>
+                </a:solidFill>
+                <a:latin typeface="Cambria" panose="02040503050406030204" pitchFamily="18" charset="0"/>
+                <a:ea typeface="Cambria" panose="02040503050406030204" pitchFamily="18" charset="0"/>
+              </a:rPr>
+              <a:t>gets</a:t>
+            </a:r>
+            <a:r>
+              <a:rPr lang="de-DE" dirty="0">
+                <a:solidFill>
+                  <a:schemeClr val="tx1"/>
+                </a:solidFill>
+                <a:latin typeface="Cambria" panose="02040503050406030204" pitchFamily="18" charset="0"/>
+                <a:ea typeface="Cambria" panose="02040503050406030204" pitchFamily="18" charset="0"/>
+              </a:rPr>
+              <a:t> stuck, </a:t>
+            </a:r>
+            <a:r>
+              <a:rPr lang="de-DE" dirty="0" err="1">
+                <a:solidFill>
+                  <a:schemeClr val="tx1"/>
+                </a:solidFill>
+                <a:latin typeface="Cambria" panose="02040503050406030204" pitchFamily="18" charset="0"/>
+                <a:ea typeface="Cambria" panose="02040503050406030204" pitchFamily="18" charset="0"/>
+              </a:rPr>
+              <a:t>etc</a:t>
+            </a:r>
+            <a:r>
+              <a:rPr lang="de-DE" dirty="0">
+                <a:solidFill>
+                  <a:schemeClr val="tx1"/>
+                </a:solidFill>
+                <a:latin typeface="Cambria" panose="02040503050406030204" pitchFamily="18" charset="0"/>
+                <a:ea typeface="Cambria" panose="02040503050406030204" pitchFamily="18" charset="0"/>
+              </a:rPr>
+              <a:t>)</a:t>
+            </a:r>
+            <a:endParaRPr lang="en-US" dirty="0">
+              <a:solidFill>
+                <a:schemeClr val="tx1"/>
+              </a:solidFill>
+              <a:latin typeface="Cambria" panose="02040503050406030204" pitchFamily="18" charset="0"/>
+              <a:ea typeface="Cambria" panose="02040503050406030204" pitchFamily="18" charset="0"/>
+            </a:endParaRPr>
+          </a:p>
+        </p:txBody>
+      </p:sp>
+      <p:sp>
+        <p:nvSpPr>
+          <p:cNvPr id="7" name="Rechteck 6">
+            <a:extLst>
+              <a:ext uri="{FF2B5EF4-FFF2-40B4-BE49-F238E27FC236}">
+                <a16:creationId xmlns:a16="http://schemas.microsoft.com/office/drawing/2014/main" id="{7F7F3FAB-B09A-4453-9BC1-E119FDB4EE0D}"/>
+              </a:ext>
+            </a:extLst>
+          </p:cNvPr>
+          <p:cNvSpPr/>
+          <p:nvPr/>
+        </p:nvSpPr>
+        <p:spPr>
+          <a:xfrm>
+            <a:off x="2166851" y="3798916"/>
+            <a:ext cx="2488277" cy="864524"/>
+          </a:xfrm>
+          <a:prstGeom prst="rect">
+            <a:avLst/>
+          </a:prstGeom>
+          <a:solidFill>
+            <a:schemeClr val="tx2">
+              <a:lumMod val="20000"/>
+              <a:lumOff val="80000"/>
+            </a:schemeClr>
+          </a:solidFill>
+          <a:ln w="38100">
+            <a:solidFill>
+              <a:schemeClr val="tx1"/>
+            </a:solidFill>
+          </a:ln>
+        </p:spPr>
+        <p:style>
+          <a:lnRef idx="2">
+            <a:schemeClr val="accent1">
+              <a:shade val="50000"/>
+            </a:schemeClr>
+          </a:lnRef>
+          <a:fillRef idx="1">
+            <a:schemeClr val="accent1"/>
+          </a:fillRef>
+          <a:effectRef idx="0">
+            <a:schemeClr val="accent1"/>
+          </a:effectRef>
+          <a:fontRef idx="minor">
+            <a:schemeClr val="lt1"/>
+          </a:fontRef>
+        </p:style>
+        <p:txBody>
+          <a:bodyPr rot="0" spcFirstLastPara="0" vertOverflow="overflow" horzOverflow="overflow" vert="horz" wrap="square" lIns="91440" tIns="45720" rIns="91440" bIns="45720" numCol="1" spcCol="0" rtlCol="0" fromWordArt="0" anchor="ctr" anchorCtr="0" forceAA="0" compatLnSpc="1">
+            <a:prstTxWarp prst="textNoShape">
+              <a:avLst/>
+            </a:prstTxWarp>
+            <a:noAutofit/>
+          </a:bodyPr>
+          <a:lstStyle/>
+          <a:p>
+            <a:pPr algn="ctr"/>
+            <a:r>
+              <a:rPr lang="de-DE" dirty="0" err="1">
+                <a:solidFill>
+                  <a:schemeClr val="tx1"/>
+                </a:solidFill>
+                <a:latin typeface="Cambria" panose="02040503050406030204" pitchFamily="18" charset="0"/>
+                <a:ea typeface="Cambria" panose="02040503050406030204" pitchFamily="18" charset="0"/>
+              </a:rPr>
+              <a:t>Full</a:t>
+            </a:r>
+            <a:r>
+              <a:rPr lang="de-DE" dirty="0">
+                <a:solidFill>
+                  <a:schemeClr val="tx1"/>
+                </a:solidFill>
+                <a:latin typeface="Cambria" panose="02040503050406030204" pitchFamily="18" charset="0"/>
+                <a:ea typeface="Cambria" panose="02040503050406030204" pitchFamily="18" charset="0"/>
+              </a:rPr>
+              <a:t> </a:t>
+            </a:r>
+            <a:r>
+              <a:rPr lang="de-DE" dirty="0" err="1">
+                <a:solidFill>
+                  <a:schemeClr val="tx1"/>
+                </a:solidFill>
+                <a:latin typeface="Cambria" panose="02040503050406030204" pitchFamily="18" charset="0"/>
+                <a:ea typeface="Cambria" panose="02040503050406030204" pitchFamily="18" charset="0"/>
+              </a:rPr>
+              <a:t>supersivion</a:t>
+            </a:r>
+            <a:r>
+              <a:rPr lang="de-DE" dirty="0">
+                <a:solidFill>
+                  <a:schemeClr val="tx1"/>
+                </a:solidFill>
+                <a:latin typeface="Cambria" panose="02040503050406030204" pitchFamily="18" charset="0"/>
+                <a:ea typeface="Cambria" panose="02040503050406030204" pitchFamily="18" charset="0"/>
+              </a:rPr>
+              <a:t> </a:t>
+            </a:r>
+            <a:r>
+              <a:rPr lang="de-DE" dirty="0" err="1">
+                <a:solidFill>
+                  <a:schemeClr val="tx1"/>
+                </a:solidFill>
+                <a:latin typeface="Cambria" panose="02040503050406030204" pitchFamily="18" charset="0"/>
+                <a:ea typeface="Cambria" panose="02040503050406030204" pitchFamily="18" charset="0"/>
+              </a:rPr>
+              <a:t>by</a:t>
+            </a:r>
+            <a:r>
+              <a:rPr lang="de-DE" dirty="0">
+                <a:solidFill>
+                  <a:schemeClr val="tx1"/>
+                </a:solidFill>
+                <a:latin typeface="Cambria" panose="02040503050406030204" pitchFamily="18" charset="0"/>
+                <a:ea typeface="Cambria" panose="02040503050406030204" pitchFamily="18" charset="0"/>
+              </a:rPr>
+              <a:t> </a:t>
+            </a:r>
+            <a:r>
+              <a:rPr lang="de-DE" dirty="0" err="1">
+                <a:solidFill>
+                  <a:schemeClr val="tx1"/>
+                </a:solidFill>
+                <a:latin typeface="Cambria" panose="02040503050406030204" pitchFamily="18" charset="0"/>
+                <a:ea typeface="Cambria" panose="02040503050406030204" pitchFamily="18" charset="0"/>
+              </a:rPr>
+              <a:t>the</a:t>
+            </a:r>
+            <a:r>
+              <a:rPr lang="de-DE" dirty="0">
+                <a:solidFill>
+                  <a:schemeClr val="tx1"/>
+                </a:solidFill>
+                <a:latin typeface="Cambria" panose="02040503050406030204" pitchFamily="18" charset="0"/>
+                <a:ea typeface="Cambria" panose="02040503050406030204" pitchFamily="18" charset="0"/>
+              </a:rPr>
+              <a:t> </a:t>
+            </a:r>
+            <a:r>
+              <a:rPr lang="de-DE">
+                <a:solidFill>
+                  <a:schemeClr val="tx1"/>
+                </a:solidFill>
+                <a:latin typeface="Cambria" panose="02040503050406030204" pitchFamily="18" charset="0"/>
+                <a:ea typeface="Cambria" panose="02040503050406030204" pitchFamily="18" charset="0"/>
+              </a:rPr>
+              <a:t>remote operator</a:t>
+            </a:r>
+            <a:endParaRPr lang="en-US" dirty="0">
+              <a:solidFill>
+                <a:schemeClr val="tx1"/>
+              </a:solidFill>
+              <a:latin typeface="Cambria" panose="02040503050406030204" pitchFamily="18" charset="0"/>
+              <a:ea typeface="Cambria" panose="02040503050406030204" pitchFamily="18" charset="0"/>
+            </a:endParaRPr>
+          </a:p>
+        </p:txBody>
+      </p:sp>
+      <p:sp>
+        <p:nvSpPr>
+          <p:cNvPr id="8" name="Rechteck 7">
+            <a:extLst>
+              <a:ext uri="{FF2B5EF4-FFF2-40B4-BE49-F238E27FC236}">
+                <a16:creationId xmlns:a16="http://schemas.microsoft.com/office/drawing/2014/main" id="{290DCCD6-328A-4EC9-BA5E-8D4A4B7AE634}"/>
+              </a:ext>
+            </a:extLst>
+          </p:cNvPr>
+          <p:cNvSpPr/>
+          <p:nvPr/>
+        </p:nvSpPr>
+        <p:spPr>
+          <a:xfrm>
+            <a:off x="5331229" y="3798916"/>
+            <a:ext cx="2488277" cy="864524"/>
+          </a:xfrm>
+          <a:prstGeom prst="rect">
+            <a:avLst/>
+          </a:prstGeom>
+          <a:solidFill>
+            <a:schemeClr val="tx2">
+              <a:lumMod val="20000"/>
+              <a:lumOff val="80000"/>
+            </a:schemeClr>
+          </a:solidFill>
+          <a:ln w="38100">
+            <a:solidFill>
+              <a:schemeClr val="tx1"/>
+            </a:solidFill>
+          </a:ln>
+        </p:spPr>
+        <p:style>
+          <a:lnRef idx="2">
+            <a:schemeClr val="accent1">
+              <a:shade val="50000"/>
+            </a:schemeClr>
+          </a:lnRef>
+          <a:fillRef idx="1">
+            <a:schemeClr val="accent1"/>
+          </a:fillRef>
+          <a:effectRef idx="0">
+            <a:schemeClr val="accent1"/>
+          </a:effectRef>
+          <a:fontRef idx="minor">
+            <a:schemeClr val="lt1"/>
+          </a:fontRef>
+        </p:style>
+        <p:txBody>
+          <a:bodyPr rot="0" spcFirstLastPara="0" vertOverflow="overflow" horzOverflow="overflow" vert="horz" wrap="square" lIns="91440" tIns="45720" rIns="91440" bIns="45720" numCol="1" spcCol="0" rtlCol="0" fromWordArt="0" anchor="ctr" anchorCtr="0" forceAA="0" compatLnSpc="1">
+            <a:prstTxWarp prst="textNoShape">
+              <a:avLst/>
+            </a:prstTxWarp>
+            <a:noAutofit/>
+          </a:bodyPr>
+          <a:lstStyle/>
+          <a:p>
+            <a:pPr algn="ctr"/>
+            <a:r>
+              <a:rPr lang="de-DE" dirty="0" err="1">
+                <a:solidFill>
+                  <a:schemeClr val="tx1"/>
+                </a:solidFill>
+                <a:latin typeface="Cambria" panose="02040503050406030204" pitchFamily="18" charset="0"/>
+                <a:ea typeface="Cambria" panose="02040503050406030204" pitchFamily="18" charset="0"/>
+              </a:rPr>
+              <a:t>Autonomous</a:t>
+            </a:r>
+            <a:r>
+              <a:rPr lang="de-DE" dirty="0">
+                <a:solidFill>
+                  <a:schemeClr val="tx1"/>
+                </a:solidFill>
+                <a:latin typeface="Cambria" panose="02040503050406030204" pitchFamily="18" charset="0"/>
+                <a:ea typeface="Cambria" panose="02040503050406030204" pitchFamily="18" charset="0"/>
+              </a:rPr>
+              <a:t> robot </a:t>
+            </a:r>
+            <a:r>
+              <a:rPr lang="de-DE" err="1">
+                <a:solidFill>
+                  <a:schemeClr val="tx1"/>
+                </a:solidFill>
+                <a:latin typeface="Cambria" panose="02040503050406030204" pitchFamily="18" charset="0"/>
+                <a:ea typeface="Cambria" panose="02040503050406030204" pitchFamily="18" charset="0"/>
+              </a:rPr>
+              <a:t>behavior</a:t>
+            </a:r>
+            <a:r>
+              <a:rPr lang="de-DE">
+                <a:solidFill>
+                  <a:schemeClr val="tx1"/>
+                </a:solidFill>
+                <a:latin typeface="Cambria" panose="02040503050406030204" pitchFamily="18" charset="0"/>
+                <a:ea typeface="Cambria" panose="02040503050406030204" pitchFamily="18" charset="0"/>
+              </a:rPr>
+              <a:t> </a:t>
+            </a:r>
+            <a:endParaRPr lang="en-US" dirty="0">
+              <a:solidFill>
+                <a:schemeClr val="tx1"/>
+              </a:solidFill>
+              <a:latin typeface="Cambria" panose="02040503050406030204" pitchFamily="18" charset="0"/>
+              <a:ea typeface="Cambria" panose="02040503050406030204" pitchFamily="18" charset="0"/>
+            </a:endParaRPr>
+          </a:p>
+        </p:txBody>
+      </p:sp>
+      <p:sp>
+        <p:nvSpPr>
+          <p:cNvPr id="9" name="Rechteck 8">
+            <a:extLst>
+              <a:ext uri="{FF2B5EF4-FFF2-40B4-BE49-F238E27FC236}">
+                <a16:creationId xmlns:a16="http://schemas.microsoft.com/office/drawing/2014/main" id="{F2284775-817D-4468-A186-23F86C35FBE4}"/>
+              </a:ext>
+            </a:extLst>
+          </p:cNvPr>
+          <p:cNvSpPr/>
+          <p:nvPr/>
+        </p:nvSpPr>
+        <p:spPr>
+          <a:xfrm>
+            <a:off x="3749039" y="5027121"/>
+            <a:ext cx="2488277" cy="864524"/>
+          </a:xfrm>
+          <a:prstGeom prst="rect">
+            <a:avLst/>
+          </a:prstGeom>
+          <a:solidFill>
+            <a:schemeClr val="tx2">
+              <a:lumMod val="20000"/>
+              <a:lumOff val="80000"/>
+            </a:schemeClr>
+          </a:solidFill>
+          <a:ln w="38100">
+            <a:solidFill>
+              <a:schemeClr val="tx1"/>
+            </a:solidFill>
+          </a:ln>
+        </p:spPr>
+        <p:style>
+          <a:lnRef idx="2">
+            <a:schemeClr val="accent1">
+              <a:shade val="50000"/>
+            </a:schemeClr>
+          </a:lnRef>
+          <a:fillRef idx="1">
+            <a:schemeClr val="accent1"/>
+          </a:fillRef>
+          <a:effectRef idx="0">
+            <a:schemeClr val="accent1"/>
+          </a:effectRef>
+          <a:fontRef idx="minor">
+            <a:schemeClr val="lt1"/>
+          </a:fontRef>
+        </p:style>
+        <p:txBody>
+          <a:bodyPr rot="0" spcFirstLastPara="0" vertOverflow="overflow" horzOverflow="overflow" vert="horz" wrap="square" lIns="91440" tIns="45720" rIns="91440" bIns="45720" numCol="1" spcCol="0" rtlCol="0" fromWordArt="0" anchor="ctr" anchorCtr="0" forceAA="0" compatLnSpc="1">
+            <a:prstTxWarp prst="textNoShape">
+              <a:avLst/>
+            </a:prstTxWarp>
+            <a:noAutofit/>
+          </a:bodyPr>
+          <a:lstStyle/>
+          <a:p>
+            <a:pPr algn="ctr"/>
+            <a:r>
+              <a:rPr lang="de-DE" err="1">
+                <a:solidFill>
+                  <a:schemeClr val="tx1"/>
+                </a:solidFill>
+                <a:latin typeface="Cambria" panose="02040503050406030204" pitchFamily="18" charset="0"/>
+                <a:ea typeface="Cambria" panose="02040503050406030204" pitchFamily="18" charset="0"/>
+              </a:rPr>
+              <a:t>Shared</a:t>
+            </a:r>
+            <a:r>
+              <a:rPr lang="de-DE">
+                <a:solidFill>
+                  <a:schemeClr val="tx1"/>
+                </a:solidFill>
+                <a:latin typeface="Cambria" panose="02040503050406030204" pitchFamily="18" charset="0"/>
+                <a:ea typeface="Cambria" panose="02040503050406030204" pitchFamily="18" charset="0"/>
+              </a:rPr>
+              <a:t> control</a:t>
+            </a:r>
+            <a:endParaRPr lang="en-US" dirty="0">
+              <a:solidFill>
+                <a:schemeClr val="tx1"/>
+              </a:solidFill>
+              <a:latin typeface="Cambria" panose="02040503050406030204" pitchFamily="18" charset="0"/>
+              <a:ea typeface="Cambria" panose="02040503050406030204" pitchFamily="18" charset="0"/>
+            </a:endParaRPr>
+          </a:p>
+        </p:txBody>
+      </p:sp>
+      <p:cxnSp>
+        <p:nvCxnSpPr>
+          <p:cNvPr id="11" name="Gerade Verbindung mit Pfeil 10">
+            <a:extLst>
+              <a:ext uri="{FF2B5EF4-FFF2-40B4-BE49-F238E27FC236}">
+                <a16:creationId xmlns:a16="http://schemas.microsoft.com/office/drawing/2014/main" id="{426F44FB-E25D-47F2-AE19-170CABA359FA}"/>
+              </a:ext>
+            </a:extLst>
+          </p:cNvPr>
+          <p:cNvCxnSpPr>
+            <a:stCxn id="6" idx="4"/>
+            <a:endCxn id="7" idx="0"/>
+          </p:cNvCxnSpPr>
+          <p:nvPr/>
+        </p:nvCxnSpPr>
+        <p:spPr>
+          <a:xfrm>
+            <a:off x="3410990" y="3429000"/>
+            <a:ext cx="0" cy="369916"/>
+          </a:xfrm>
+          <a:prstGeom prst="straightConnector1">
+            <a:avLst/>
+          </a:prstGeom>
+          <a:ln>
+            <a:solidFill>
+              <a:schemeClr val="tx1"/>
+            </a:solidFill>
+            <a:tailEnd type="triangle"/>
+          </a:ln>
+        </p:spPr>
+        <p:style>
+          <a:lnRef idx="1">
+            <a:schemeClr val="accent1"/>
+          </a:lnRef>
+          <a:fillRef idx="0">
+            <a:schemeClr val="accent1"/>
+          </a:fillRef>
+          <a:effectRef idx="0">
+            <a:schemeClr val="accent1"/>
+          </a:effectRef>
+          <a:fontRef idx="minor">
+            <a:schemeClr val="tx1"/>
+          </a:fontRef>
+        </p:style>
+      </p:cxnSp>
+      <p:cxnSp>
+        <p:nvCxnSpPr>
+          <p:cNvPr id="13" name="Gerade Verbindung mit Pfeil 12">
+            <a:extLst>
+              <a:ext uri="{FF2B5EF4-FFF2-40B4-BE49-F238E27FC236}">
+                <a16:creationId xmlns:a16="http://schemas.microsoft.com/office/drawing/2014/main" id="{571EE4DF-B402-4FB4-BEEE-7AA019FF5756}"/>
+              </a:ext>
+            </a:extLst>
+          </p:cNvPr>
+          <p:cNvCxnSpPr>
+            <a:stCxn id="5" idx="4"/>
+            <a:endCxn id="8" idx="0"/>
+          </p:cNvCxnSpPr>
+          <p:nvPr/>
+        </p:nvCxnSpPr>
+        <p:spPr>
+          <a:xfrm>
+            <a:off x="6575368" y="3429000"/>
+            <a:ext cx="0" cy="369916"/>
+          </a:xfrm>
+          <a:prstGeom prst="straightConnector1">
+            <a:avLst/>
+          </a:prstGeom>
+          <a:ln>
+            <a:solidFill>
+              <a:schemeClr val="tx1"/>
+            </a:solidFill>
+            <a:tailEnd type="triangle"/>
+          </a:ln>
+        </p:spPr>
+        <p:style>
+          <a:lnRef idx="1">
+            <a:schemeClr val="accent1"/>
+          </a:lnRef>
+          <a:fillRef idx="0">
+            <a:schemeClr val="accent1"/>
+          </a:fillRef>
+          <a:effectRef idx="0">
+            <a:schemeClr val="accent1"/>
+          </a:effectRef>
+          <a:fontRef idx="minor">
+            <a:schemeClr val="tx1"/>
+          </a:fontRef>
+        </p:style>
+      </p:cxnSp>
+      <p:cxnSp>
+        <p:nvCxnSpPr>
+          <p:cNvPr id="15" name="Gerade Verbindung mit Pfeil 14">
+            <a:extLst>
+              <a:ext uri="{FF2B5EF4-FFF2-40B4-BE49-F238E27FC236}">
+                <a16:creationId xmlns:a16="http://schemas.microsoft.com/office/drawing/2014/main" id="{C4D10C8D-6F92-47C5-AAEE-FE48AA371A23}"/>
+              </a:ext>
+            </a:extLst>
+          </p:cNvPr>
+          <p:cNvCxnSpPr>
+            <a:stCxn id="6" idx="6"/>
+            <a:endCxn id="5" idx="2"/>
+          </p:cNvCxnSpPr>
+          <p:nvPr/>
+        </p:nvCxnSpPr>
+        <p:spPr>
+          <a:xfrm>
+            <a:off x="4655128" y="2313017"/>
+            <a:ext cx="676101" cy="0"/>
+          </a:xfrm>
+          <a:prstGeom prst="straightConnector1">
+            <a:avLst/>
+          </a:prstGeom>
+          <a:ln>
+            <a:solidFill>
+              <a:schemeClr val="tx1"/>
+            </a:solidFill>
+            <a:tailEnd type="triangle"/>
+          </a:ln>
+        </p:spPr>
+        <p:style>
+          <a:lnRef idx="1">
+            <a:schemeClr val="accent1"/>
+          </a:lnRef>
+          <a:fillRef idx="0">
+            <a:schemeClr val="accent1"/>
+          </a:fillRef>
+          <a:effectRef idx="0">
+            <a:schemeClr val="accent1"/>
+          </a:effectRef>
+          <a:fontRef idx="minor">
+            <a:schemeClr val="tx1"/>
+          </a:fontRef>
+        </p:style>
+      </p:cxnSp>
+      <p:cxnSp>
+        <p:nvCxnSpPr>
+          <p:cNvPr id="17" name="Verbinder: gewinkelt 16">
+            <a:extLst>
+              <a:ext uri="{FF2B5EF4-FFF2-40B4-BE49-F238E27FC236}">
+                <a16:creationId xmlns:a16="http://schemas.microsoft.com/office/drawing/2014/main" id="{FCDE8BFF-98AA-4F58-9914-62BE51F2E851}"/>
+              </a:ext>
+            </a:extLst>
+          </p:cNvPr>
+          <p:cNvCxnSpPr>
+            <a:cxnSpLocks/>
+            <a:stCxn id="5" idx="6"/>
+            <a:endCxn id="9" idx="2"/>
+          </p:cNvCxnSpPr>
+          <p:nvPr/>
+        </p:nvCxnSpPr>
+        <p:spPr>
+          <a:xfrm flipH="1">
+            <a:off x="4993178" y="2313017"/>
+            <a:ext cx="2826328" cy="3578628"/>
+          </a:xfrm>
+          <a:prstGeom prst="bentConnector4">
+            <a:avLst>
+              <a:gd name="adj1" fmla="val -8088"/>
+              <a:gd name="adj2" fmla="val 106388"/>
+            </a:avLst>
+          </a:prstGeom>
+          <a:ln>
+            <a:solidFill>
+              <a:schemeClr val="tx1"/>
+            </a:solidFill>
+            <a:tailEnd type="triangle"/>
+          </a:ln>
+        </p:spPr>
+        <p:style>
+          <a:lnRef idx="1">
+            <a:schemeClr val="accent1"/>
+          </a:lnRef>
+          <a:fillRef idx="0">
+            <a:schemeClr val="accent1"/>
+          </a:fillRef>
+          <a:effectRef idx="0">
+            <a:schemeClr val="accent1"/>
+          </a:effectRef>
+          <a:fontRef idx="minor">
+            <a:schemeClr val="tx1"/>
+          </a:fontRef>
+        </p:style>
+      </p:cxnSp>
+      <p:cxnSp>
+        <p:nvCxnSpPr>
+          <p:cNvPr id="21" name="Verbinder: gewinkelt 20">
+            <a:extLst>
+              <a:ext uri="{FF2B5EF4-FFF2-40B4-BE49-F238E27FC236}">
+                <a16:creationId xmlns:a16="http://schemas.microsoft.com/office/drawing/2014/main" id="{5F9C00E2-6A80-41A8-897F-2EBCB68DE7FF}"/>
+              </a:ext>
+            </a:extLst>
+          </p:cNvPr>
+          <p:cNvCxnSpPr>
+            <a:stCxn id="8" idx="2"/>
+            <a:endCxn id="9" idx="3"/>
+          </p:cNvCxnSpPr>
+          <p:nvPr/>
+        </p:nvCxnSpPr>
+        <p:spPr>
+          <a:xfrm rot="5400000">
+            <a:off x="6008371" y="4892385"/>
+            <a:ext cx="795943" cy="338052"/>
+          </a:xfrm>
+          <a:prstGeom prst="bentConnector2">
+            <a:avLst/>
+          </a:prstGeom>
+          <a:ln>
+            <a:solidFill>
+              <a:schemeClr val="tx1"/>
+            </a:solidFill>
+            <a:prstDash val="lgDash"/>
+            <a:tailEnd type="triangle"/>
+          </a:ln>
+        </p:spPr>
+        <p:style>
+          <a:lnRef idx="1">
+            <a:schemeClr val="accent1"/>
+          </a:lnRef>
+          <a:fillRef idx="0">
+            <a:schemeClr val="accent1"/>
+          </a:fillRef>
+          <a:effectRef idx="0">
+            <a:schemeClr val="accent1"/>
+          </a:effectRef>
+          <a:fontRef idx="minor">
+            <a:schemeClr val="tx1"/>
+          </a:fontRef>
+        </p:style>
+      </p:cxnSp>
+      <p:cxnSp>
+        <p:nvCxnSpPr>
+          <p:cNvPr id="23" name="Verbinder: gewinkelt 22">
+            <a:extLst>
+              <a:ext uri="{FF2B5EF4-FFF2-40B4-BE49-F238E27FC236}">
+                <a16:creationId xmlns:a16="http://schemas.microsoft.com/office/drawing/2014/main" id="{A4BD3A87-F219-40F1-BAC6-317AF1DFC630}"/>
+              </a:ext>
+            </a:extLst>
+          </p:cNvPr>
+          <p:cNvCxnSpPr>
+            <a:cxnSpLocks/>
+            <a:stCxn id="7" idx="2"/>
+            <a:endCxn id="9" idx="0"/>
+          </p:cNvCxnSpPr>
+          <p:nvPr/>
+        </p:nvCxnSpPr>
+        <p:spPr>
+          <a:xfrm rot="16200000" flipH="1">
+            <a:off x="4020244" y="4054186"/>
+            <a:ext cx="363681" cy="1582188"/>
+          </a:xfrm>
+          <a:prstGeom prst="bentConnector3">
+            <a:avLst>
+              <a:gd name="adj1" fmla="val 50000"/>
+            </a:avLst>
+          </a:prstGeom>
+          <a:ln>
+            <a:solidFill>
+              <a:schemeClr val="tx1"/>
+            </a:solidFill>
+            <a:prstDash val="lgDash"/>
+            <a:tailEnd type="triangle"/>
+          </a:ln>
+        </p:spPr>
+        <p:style>
+          <a:lnRef idx="1">
+            <a:schemeClr val="accent1"/>
+          </a:lnRef>
+          <a:fillRef idx="0">
+            <a:schemeClr val="accent1"/>
+          </a:fillRef>
+          <a:effectRef idx="0">
+            <a:schemeClr val="accent1"/>
+          </a:effectRef>
+          <a:fontRef idx="minor">
+            <a:schemeClr val="tx1"/>
+          </a:fontRef>
+        </p:style>
+      </p:cxnSp>
+      <p:sp>
+        <p:nvSpPr>
+          <p:cNvPr id="30" name="Textfeld 29">
+            <a:extLst>
+              <a:ext uri="{FF2B5EF4-FFF2-40B4-BE49-F238E27FC236}">
+                <a16:creationId xmlns:a16="http://schemas.microsoft.com/office/drawing/2014/main" id="{ACDDEDF4-DBEF-41C9-B867-F2ED902DA45F}"/>
+              </a:ext>
+            </a:extLst>
+          </p:cNvPr>
+          <p:cNvSpPr txBox="1"/>
+          <p:nvPr/>
+        </p:nvSpPr>
+        <p:spPr>
+          <a:xfrm>
+            <a:off x="6120938" y="3410295"/>
+            <a:ext cx="1122218" cy="369332"/>
+          </a:xfrm>
+          <a:prstGeom prst="rect">
+            <a:avLst/>
+          </a:prstGeom>
+          <a:noFill/>
+        </p:spPr>
+        <p:txBody>
+          <a:bodyPr wrap="square" rtlCol="0">
+            <a:spAutoFit/>
+          </a:bodyPr>
+          <a:lstStyle/>
+          <a:p>
+            <a:r>
+              <a:rPr lang="de-DE" dirty="0">
+                <a:latin typeface="Cambria" panose="02040503050406030204" pitchFamily="18" charset="0"/>
+                <a:ea typeface="Cambria" panose="02040503050406030204" pitchFamily="18" charset="0"/>
+              </a:rPr>
+              <a:t>Yes</a:t>
+            </a:r>
+            <a:endParaRPr lang="en-US" dirty="0">
+              <a:latin typeface="Cambria" panose="02040503050406030204" pitchFamily="18" charset="0"/>
+              <a:ea typeface="Cambria" panose="02040503050406030204" pitchFamily="18" charset="0"/>
+            </a:endParaRPr>
+          </a:p>
+        </p:txBody>
+      </p:sp>
+      <p:sp>
+        <p:nvSpPr>
+          <p:cNvPr id="31" name="Textfeld 30">
+            <a:extLst>
+              <a:ext uri="{FF2B5EF4-FFF2-40B4-BE49-F238E27FC236}">
+                <a16:creationId xmlns:a16="http://schemas.microsoft.com/office/drawing/2014/main" id="{597E7216-33D0-4EA1-86EE-07942B7B52AA}"/>
+              </a:ext>
+            </a:extLst>
+          </p:cNvPr>
+          <p:cNvSpPr txBox="1"/>
+          <p:nvPr/>
+        </p:nvSpPr>
+        <p:spPr>
+          <a:xfrm>
+            <a:off x="2992582" y="3410295"/>
+            <a:ext cx="1122218" cy="369332"/>
+          </a:xfrm>
+          <a:prstGeom prst="rect">
+            <a:avLst/>
+          </a:prstGeom>
+          <a:noFill/>
+        </p:spPr>
+        <p:txBody>
+          <a:bodyPr wrap="square" rtlCol="0">
+            <a:spAutoFit/>
+          </a:bodyPr>
+          <a:lstStyle/>
+          <a:p>
+            <a:r>
+              <a:rPr lang="de-DE" dirty="0">
+                <a:latin typeface="Cambria" panose="02040503050406030204" pitchFamily="18" charset="0"/>
+                <a:ea typeface="Cambria" panose="02040503050406030204" pitchFamily="18" charset="0"/>
+              </a:rPr>
+              <a:t>Yes</a:t>
+            </a:r>
+            <a:endParaRPr lang="en-US" dirty="0">
+              <a:latin typeface="Cambria" panose="02040503050406030204" pitchFamily="18" charset="0"/>
+              <a:ea typeface="Cambria" panose="02040503050406030204" pitchFamily="18" charset="0"/>
+            </a:endParaRPr>
+          </a:p>
+        </p:txBody>
+      </p:sp>
+      <p:sp>
+        <p:nvSpPr>
+          <p:cNvPr id="33" name="Textfeld 32">
+            <a:extLst>
+              <a:ext uri="{FF2B5EF4-FFF2-40B4-BE49-F238E27FC236}">
+                <a16:creationId xmlns:a16="http://schemas.microsoft.com/office/drawing/2014/main" id="{29D6A6D5-4F16-4447-87D4-EC3D73DFE6F9}"/>
+              </a:ext>
+            </a:extLst>
+          </p:cNvPr>
+          <p:cNvSpPr txBox="1"/>
+          <p:nvPr/>
+        </p:nvSpPr>
+        <p:spPr>
+          <a:xfrm>
+            <a:off x="8037715" y="2313017"/>
+            <a:ext cx="1122218" cy="369332"/>
+          </a:xfrm>
+          <a:prstGeom prst="rect">
+            <a:avLst/>
+          </a:prstGeom>
+          <a:noFill/>
+        </p:spPr>
+        <p:txBody>
+          <a:bodyPr wrap="square" rtlCol="0">
+            <a:spAutoFit/>
+          </a:bodyPr>
+          <a:lstStyle/>
+          <a:p>
+            <a:r>
+              <a:rPr lang="de-DE" dirty="0" err="1">
+                <a:latin typeface="Cambria" panose="02040503050406030204" pitchFamily="18" charset="0"/>
+                <a:ea typeface="Cambria" panose="02040503050406030204" pitchFamily="18" charset="0"/>
+              </a:rPr>
+              <a:t>No</a:t>
+            </a:r>
+            <a:endParaRPr lang="en-US" dirty="0">
+              <a:latin typeface="Cambria" panose="02040503050406030204" pitchFamily="18" charset="0"/>
+              <a:ea typeface="Cambria" panose="02040503050406030204" pitchFamily="18" charset="0"/>
+            </a:endParaRPr>
+          </a:p>
+        </p:txBody>
+      </p:sp>
+      <p:sp>
+        <p:nvSpPr>
+          <p:cNvPr id="34" name="Textfeld 33">
+            <a:extLst>
+              <a:ext uri="{FF2B5EF4-FFF2-40B4-BE49-F238E27FC236}">
+                <a16:creationId xmlns:a16="http://schemas.microsoft.com/office/drawing/2014/main" id="{D9536C65-1859-40B9-8BCD-861E21FBCFCF}"/>
+              </a:ext>
+            </a:extLst>
+          </p:cNvPr>
+          <p:cNvSpPr txBox="1"/>
+          <p:nvPr/>
+        </p:nvSpPr>
+        <p:spPr>
+          <a:xfrm>
+            <a:off x="4737562" y="1983278"/>
+            <a:ext cx="1122218" cy="369332"/>
+          </a:xfrm>
+          <a:prstGeom prst="rect">
+            <a:avLst/>
+          </a:prstGeom>
+          <a:noFill/>
+        </p:spPr>
+        <p:txBody>
+          <a:bodyPr wrap="square" rtlCol="0">
+            <a:spAutoFit/>
+          </a:bodyPr>
+          <a:lstStyle/>
+          <a:p>
+            <a:r>
+              <a:rPr lang="de-DE" dirty="0" err="1">
+                <a:latin typeface="Cambria" panose="02040503050406030204" pitchFamily="18" charset="0"/>
+                <a:ea typeface="Cambria" panose="02040503050406030204" pitchFamily="18" charset="0"/>
+              </a:rPr>
+              <a:t>No</a:t>
+            </a:r>
+            <a:endParaRPr lang="en-US" dirty="0">
+              <a:latin typeface="Cambria" panose="02040503050406030204" pitchFamily="18" charset="0"/>
+              <a:ea typeface="Cambria" panose="02040503050406030204" pitchFamily="18" charset="0"/>
+            </a:endParaRPr>
+          </a:p>
+        </p:txBody>
+      </p:sp>
+      <p:cxnSp>
+        <p:nvCxnSpPr>
+          <p:cNvPr id="4" name="Verbinder: gewinkelt 3">
+            <a:extLst>
+              <a:ext uri="{FF2B5EF4-FFF2-40B4-BE49-F238E27FC236}">
+                <a16:creationId xmlns:a16="http://schemas.microsoft.com/office/drawing/2014/main" id="{C061424D-381D-4B6C-964E-C89D677C080D}"/>
+              </a:ext>
+            </a:extLst>
+          </p:cNvPr>
+          <p:cNvCxnSpPr>
+            <a:stCxn id="9" idx="1"/>
+            <a:endCxn id="6" idx="2"/>
+          </p:cNvCxnSpPr>
+          <p:nvPr/>
+        </p:nvCxnSpPr>
+        <p:spPr>
+          <a:xfrm rot="10800000">
+            <a:off x="2166851" y="2313017"/>
+            <a:ext cx="1582188" cy="3146366"/>
+          </a:xfrm>
+          <a:prstGeom prst="bentConnector3">
+            <a:avLst>
+              <a:gd name="adj1" fmla="val 114448"/>
+            </a:avLst>
+          </a:prstGeom>
+          <a:ln>
+            <a:solidFill>
+              <a:schemeClr val="tx1"/>
+            </a:solidFill>
+            <a:prstDash val="lgDash"/>
+            <a:tailEnd type="triangle"/>
+          </a:ln>
+        </p:spPr>
+        <p:style>
+          <a:lnRef idx="1">
+            <a:schemeClr val="accent1"/>
+          </a:lnRef>
+          <a:fillRef idx="0">
+            <a:schemeClr val="accent1"/>
+          </a:fillRef>
+          <a:effectRef idx="0">
+            <a:schemeClr val="accent1"/>
+          </a:effectRef>
+          <a:fontRef idx="minor">
+            <a:schemeClr val="tx1"/>
+          </a:fontRef>
+        </p:style>
+      </p:cxnSp>
+    </p:spTree>
+    <p:extLst>
+      <p:ext uri="{BB962C8B-B14F-4D97-AF65-F5344CB8AC3E}">
+        <p14:creationId xmlns:p14="http://schemas.microsoft.com/office/powerpoint/2010/main" val="1507922974"/>
+      </p:ext>
+    </p:extLst>
+  </p:cSld>
+  <p:clrMapOvr>
+    <a:masterClrMapping/>
+  </p:clrMapOvr>
+</p:sld>
+</file>
+
+<file path=ppt/slides/slide5.xml><?xml version="1.0" encoding="utf-8"?>
+<p:sld xmlns:a="http://schemas.openxmlformats.org/drawingml/2006/main" xmlns:r="http://schemas.openxmlformats.org/officeDocument/2006/relationships" xmlns:p="http://schemas.openxmlformats.org/presentationml/2006/main">
+  <p:cSld>
+    <p:spTree>
+      <p:nvGrpSpPr>
+        <p:cNvPr id="1" name=""/>
+        <p:cNvGrpSpPr/>
+        <p:nvPr/>
+      </p:nvGrpSpPr>
+      <p:grpSpPr>
+        <a:xfrm>
+          <a:off x="0" y="0"/>
+          <a:ext cx="0" cy="0"/>
+          <a:chOff x="0" y="0"/>
+          <a:chExt cx="0" cy="0"/>
+        </a:xfrm>
+      </p:grpSpPr>
+      <p:sp>
+        <p:nvSpPr>
           <p:cNvPr id="4" name="Rechteck 3">
             <a:extLst>
               <a:ext uri="{FF2B5EF4-FFF2-40B4-BE49-F238E27FC236}">
